--- a/Presentation/03 - Blazor - Komponenty - Lokalizace.pptx
+++ b/Presentation/03 - Blazor - Komponenty - Lokalizace.pptx
@@ -247,7 +247,7 @@
             <a:fld id="{A74C3DD1-6B4C-423E-A696-BD4124EC33BC}" type="datetimeFigureOut">
               <a:rPr lang="cs-CZ" smtClean="0"/>
               <a:pPr/>
-              <a:t>14.10.2021</a:t>
+              <a:t>12.01.2024</a:t>
             </a:fld>
             <a:endParaRPr lang="cs-CZ" dirty="0"/>
           </a:p>
@@ -714,7 +714,7 @@
           <a:p>
             <a:fld id="{0DA6F2F8-F70A-47D7-AD2D-4F12E71A0C18}" type="datetimeFigureOut">
               <a:rPr lang="cs-CZ" smtClean="0"/>
-              <a:t>14.10.2021</a:t>
+              <a:t>12.01.2024</a:t>
             </a:fld>
             <a:endParaRPr lang="cs-CZ"/>
           </a:p>
@@ -896,7 +896,7 @@
           <a:p>
             <a:fld id="{0DA6F2F8-F70A-47D7-AD2D-4F12E71A0C18}" type="datetimeFigureOut">
               <a:rPr lang="cs-CZ" smtClean="0"/>
-              <a:t>14.10.2021</a:t>
+              <a:t>12.01.2024</a:t>
             </a:fld>
             <a:endParaRPr lang="cs-CZ"/>
           </a:p>
@@ -1088,7 +1088,7 @@
           <a:p>
             <a:fld id="{0DA6F2F8-F70A-47D7-AD2D-4F12E71A0C18}" type="datetimeFigureOut">
               <a:rPr lang="cs-CZ" smtClean="0"/>
-              <a:t>14.10.2021</a:t>
+              <a:t>12.01.2024</a:t>
             </a:fld>
             <a:endParaRPr lang="cs-CZ"/>
           </a:p>
@@ -1303,7 +1303,7 @@
           <a:p>
             <a:fld id="{0DA6F2F8-F70A-47D7-AD2D-4F12E71A0C18}" type="datetimeFigureOut">
               <a:rPr lang="cs-CZ" smtClean="0"/>
-              <a:t>14.10.2021</a:t>
+              <a:t>12.01.2024</a:t>
             </a:fld>
             <a:endParaRPr lang="cs-CZ"/>
           </a:p>
@@ -1578,7 +1578,7 @@
           <a:p>
             <a:fld id="{0DA6F2F8-F70A-47D7-AD2D-4F12E71A0C18}" type="datetimeFigureOut">
               <a:rPr lang="cs-CZ" smtClean="0"/>
-              <a:t>14.10.2021</a:t>
+              <a:t>12.01.2024</a:t>
             </a:fld>
             <a:endParaRPr lang="cs-CZ"/>
           </a:p>
@@ -1895,7 +1895,7 @@
           <a:p>
             <a:fld id="{0DA6F2F8-F70A-47D7-AD2D-4F12E71A0C18}" type="datetimeFigureOut">
               <a:rPr lang="cs-CZ" smtClean="0"/>
-              <a:t>14.10.2021</a:t>
+              <a:t>12.01.2024</a:t>
             </a:fld>
             <a:endParaRPr lang="cs-CZ" dirty="0"/>
           </a:p>
@@ -2346,7 +2346,7 @@
           <a:p>
             <a:fld id="{0DA6F2F8-F70A-47D7-AD2D-4F12E71A0C18}" type="datetimeFigureOut">
               <a:rPr lang="cs-CZ" smtClean="0"/>
-              <a:t>14.10.2021</a:t>
+              <a:t>12.01.2024</a:t>
             </a:fld>
             <a:endParaRPr lang="cs-CZ"/>
           </a:p>
@@ -2493,7 +2493,7 @@
           <a:p>
             <a:fld id="{0DA6F2F8-F70A-47D7-AD2D-4F12E71A0C18}" type="datetimeFigureOut">
               <a:rPr lang="cs-CZ" smtClean="0"/>
-              <a:t>14.10.2021</a:t>
+              <a:t>12.01.2024</a:t>
             </a:fld>
             <a:endParaRPr lang="cs-CZ"/>
           </a:p>
@@ -2600,7 +2600,7 @@
           <a:p>
             <a:fld id="{0DA6F2F8-F70A-47D7-AD2D-4F12E71A0C18}" type="datetimeFigureOut">
               <a:rPr lang="cs-CZ" smtClean="0"/>
-              <a:t>14.10.2021</a:t>
+              <a:t>12.01.2024</a:t>
             </a:fld>
             <a:endParaRPr lang="cs-CZ"/>
           </a:p>
@@ -2891,7 +2891,7 @@
           <a:p>
             <a:fld id="{0DA6F2F8-F70A-47D7-AD2D-4F12E71A0C18}" type="datetimeFigureOut">
               <a:rPr lang="cs-CZ" smtClean="0"/>
-              <a:t>14.10.2021</a:t>
+              <a:t>12.01.2024</a:t>
             </a:fld>
             <a:endParaRPr lang="cs-CZ"/>
           </a:p>
@@ -3160,7 +3160,7 @@
           <a:p>
             <a:fld id="{0DA6F2F8-F70A-47D7-AD2D-4F12E71A0C18}" type="datetimeFigureOut">
               <a:rPr lang="cs-CZ" smtClean="0"/>
-              <a:t>14.10.2021</a:t>
+              <a:t>12.01.2024</a:t>
             </a:fld>
             <a:endParaRPr lang="cs-CZ"/>
           </a:p>
@@ -3424,7 +3424,7 @@
           <a:p>
             <a:fld id="{0DA6F2F8-F70A-47D7-AD2D-4F12E71A0C18}" type="datetimeFigureOut">
               <a:rPr lang="cs-CZ" smtClean="0"/>
-              <a:t>14.10.2021</a:t>
+              <a:t>12.01.2024</a:t>
             </a:fld>
             <a:endParaRPr lang="cs-CZ"/>
           </a:p>
@@ -4214,13 +4214,13 @@
   <p:clrMapOvr>
     <a:masterClrMapping/>
   </p:clrMapOvr>
-  <mc:AlternateContent xmlns:mc="http://schemas.openxmlformats.org/markup-compatibility/2006">
-    <mc:Choice xmlns:p14="http://schemas.microsoft.com/office/powerpoint/2010/main" Requires="p14">
+  <mc:AlternateContent xmlns:mc="http://schemas.openxmlformats.org/markup-compatibility/2006" xmlns:p14="http://schemas.microsoft.com/office/powerpoint/2010/main">
+    <mc:Choice Requires="p14">
       <p:transition spd="med" p14:dur="700">
         <p:fade/>
       </p:transition>
     </mc:Choice>
-    <mc:Fallback>
+    <mc:Fallback xmlns="">
       <p:transition spd="med">
         <p:fade/>
       </p:transition>
@@ -4391,13 +4391,13 @@
   <p:clrMapOvr>
     <a:masterClrMapping/>
   </p:clrMapOvr>
-  <mc:AlternateContent xmlns:mc="http://schemas.openxmlformats.org/markup-compatibility/2006">
-    <mc:Choice xmlns:p14="http://schemas.microsoft.com/office/powerpoint/2010/main" Requires="p14">
+  <mc:AlternateContent xmlns:mc="http://schemas.openxmlformats.org/markup-compatibility/2006" xmlns:p14="http://schemas.microsoft.com/office/powerpoint/2010/main">
+    <mc:Choice Requires="p14">
       <p:transition spd="med" p14:dur="700">
         <p:fade/>
       </p:transition>
     </mc:Choice>
-    <mc:Fallback>
+    <mc:Fallback xmlns="">
       <p:transition spd="med">
         <p:fade/>
       </p:transition>
@@ -4869,13 +4869,13 @@
   <p:clrMapOvr>
     <a:masterClrMapping/>
   </p:clrMapOvr>
-  <mc:AlternateContent xmlns:mc="http://schemas.openxmlformats.org/markup-compatibility/2006">
-    <mc:Choice xmlns:p14="http://schemas.microsoft.com/office/powerpoint/2010/main" Requires="p14">
+  <mc:AlternateContent xmlns:mc="http://schemas.openxmlformats.org/markup-compatibility/2006" xmlns:p14="http://schemas.microsoft.com/office/powerpoint/2010/main">
+    <mc:Choice Requires="p14">
       <p:transition spd="med" p14:dur="700">
         <p:fade/>
       </p:transition>
     </mc:Choice>
-    <mc:Fallback>
+    <mc:Fallback xmlns="">
       <p:transition spd="med">
         <p:fade/>
       </p:transition>
@@ -5154,13 +5154,13 @@
   <p:clrMapOvr>
     <a:masterClrMapping/>
   </p:clrMapOvr>
-  <mc:AlternateContent xmlns:mc="http://schemas.openxmlformats.org/markup-compatibility/2006">
-    <mc:Choice xmlns:p14="http://schemas.microsoft.com/office/powerpoint/2010/main" Requires="p14">
+  <mc:AlternateContent xmlns:mc="http://schemas.openxmlformats.org/markup-compatibility/2006" xmlns:p14="http://schemas.microsoft.com/office/powerpoint/2010/main">
+    <mc:Choice Requires="p14">
       <p:transition spd="med" p14:dur="700">
         <p:fade/>
       </p:transition>
     </mc:Choice>
-    <mc:Fallback>
+    <mc:Fallback xmlns="">
       <p:transition spd="med">
         <p:fade/>
       </p:transition>
@@ -5924,12 +5924,9 @@
 </file>
 
 <file path=customXml/item1.xml><?xml version="1.0" encoding="utf-8"?>
-<?mso-contentType ?>
-<FormTemplates xmlns="http://schemas.microsoft.com/sharepoint/v3/contenttype/forms">
-  <Display>DocumentLibraryForm</Display>
-  <Edit>DocumentLibraryForm</Edit>
-  <New>DocumentLibraryForm</New>
-</FormTemplates>
+<p:properties xmlns:p="http://schemas.microsoft.com/office/2006/metadata/properties" xmlns:xsi="http://www.w3.org/2001/XMLSchema-instance" xmlns:pc="http://schemas.microsoft.com/office/infopath/2007/PartnerControls">
+  <documentManagement/>
+</p:properties>
 </file>
 
 <file path=customXml/item2.xml><?xml version="1.0" encoding="utf-8"?>
@@ -6047,15 +6044,19 @@
 </file>
 
 <file path=customXml/item3.xml><?xml version="1.0" encoding="utf-8"?>
-<p:properties xmlns:p="http://schemas.microsoft.com/office/2006/metadata/properties" xmlns:xsi="http://www.w3.org/2001/XMLSchema-instance" xmlns:pc="http://schemas.microsoft.com/office/infopath/2007/PartnerControls">
-  <documentManagement/>
-</p:properties>
+<?mso-contentType ?>
+<FormTemplates xmlns="http://schemas.microsoft.com/sharepoint/v3/contenttype/forms">
+  <Display>DocumentLibraryForm</Display>
+  <Edit>DocumentLibraryForm</Edit>
+  <New>DocumentLibraryForm</New>
+</FormTemplates>
 </file>
 
 <file path=customXml/itemProps1.xml><?xml version="1.0" encoding="utf-8"?>
-<ds:datastoreItem xmlns:ds="http://schemas.openxmlformats.org/officeDocument/2006/customXml" ds:itemID="{B22238E5-BDC0-4655-AFB5-A7405C559E7D}">
+<ds:datastoreItem xmlns:ds="http://schemas.openxmlformats.org/officeDocument/2006/customXml" ds:itemID="{317FD51D-081C-435E-8F5D-6D88218064D9}">
   <ds:schemaRefs>
-    <ds:schemaRef ds:uri="http://schemas.microsoft.com/sharepoint/v3/contenttype/forms"/>
+    <ds:schemaRef ds:uri="http://schemas.microsoft.com/office/2006/metadata/properties"/>
+    <ds:schemaRef ds:uri="http://schemas.microsoft.com/office/infopath/2007/PartnerControls"/>
   </ds:schemaRefs>
 </ds:datastoreItem>
 </file>
@@ -6077,10 +6078,9 @@
 </file>
 
 <file path=customXml/itemProps3.xml><?xml version="1.0" encoding="utf-8"?>
-<ds:datastoreItem xmlns:ds="http://schemas.openxmlformats.org/officeDocument/2006/customXml" ds:itemID="{317FD51D-081C-435E-8F5D-6D88218064D9}">
+<ds:datastoreItem xmlns:ds="http://schemas.openxmlformats.org/officeDocument/2006/customXml" ds:itemID="{B22238E5-BDC0-4655-AFB5-A7405C559E7D}">
   <ds:schemaRefs>
-    <ds:schemaRef ds:uri="http://schemas.microsoft.com/office/2006/metadata/properties"/>
-    <ds:schemaRef ds:uri="http://schemas.microsoft.com/office/infopath/2007/PartnerControls"/>
+    <ds:schemaRef ds:uri="http://schemas.microsoft.com/sharepoint/v3/contenttype/forms"/>
   </ds:schemaRefs>
 </ds:datastoreItem>
 </file>
--- a/Presentation/03 - Blazor - Komponenty - Lokalizace.pptx
+++ b/Presentation/03 - Blazor - Komponenty - Lokalizace.pptx
@@ -4640,7 +4640,7 @@
         <p:spPr/>
         <p:txBody>
           <a:bodyPr>
-            <a:normAutofit lnSpcReduction="10000"/>
+            <a:normAutofit fontScale="92500" lnSpcReduction="10000"/>
           </a:bodyPr>
           <a:lstStyle/>
           <a:p>
@@ -4768,22 +4768,28 @@
               </a:rPr>
               <a:t>: 'en-US' }); </a:t>
             </a:r>
-          </a:p>
-          <a:p>
-            <a:pPr marL="0" indent="0">
-              <a:buNone/>
-            </a:pPr>
-            <a:r>
-              <a:rPr lang="cs-CZ" dirty="0"/>
-              <a:t>	</a:t>
-            </a:r>
-            <a:r>
+            <a:br>
               <a:rPr lang="cs-CZ" dirty="0">
                 <a:solidFill>
-                  <a:srgbClr val="FF0000"/>
+                  <a:srgbClr val="171717"/>
                 </a:solidFill>
+                <a:latin typeface="SFMono-Regular"/>
               </a:rPr>
-              <a:t>v demoprogramu nefunguje</a:t>
+            </a:br>
+            <a:endParaRPr lang="cs-CZ" dirty="0">
+              <a:solidFill>
+                <a:srgbClr val="171717"/>
+              </a:solidFill>
+              <a:latin typeface="SFMono-Regular"/>
+            </a:endParaRPr>
+          </a:p>
+          <a:p>
+            <a:pPr marL="0" indent="0">
+              <a:buNone/>
+            </a:pPr>
+            <a:r>
+              <a:rPr lang="cs-CZ" dirty="0"/>
+              <a:t>nebo</a:t>
             </a:r>
             <a:br>
               <a:rPr lang="cs-CZ" dirty="0"/>
@@ -5135,7 +5141,7 @@
               <a:rPr lang="cs-CZ" dirty="0">
                 <a:hlinkClick r:id="rId2"/>
               </a:rPr>
-              <a:t>https://docs.microsoft.com/en-us/aspnet/core/blazor/globalization-localization?view=aspnetcore-5.0&amp;pivots=webassembly#dynamically-set-the-culture-by-user-preference-1</a:t>
+              <a:t>https://learn.microsoft.com/en-us/aspnet/core/blazor/globalization-localization?view=aspnetcore-8.0</a:t>
             </a:r>
             <a:endParaRPr lang="cs-CZ" dirty="0"/>
           </a:p>
@@ -5924,9 +5930,12 @@
 </file>
 
 <file path=customXml/item1.xml><?xml version="1.0" encoding="utf-8"?>
-<p:properties xmlns:p="http://schemas.microsoft.com/office/2006/metadata/properties" xmlns:xsi="http://www.w3.org/2001/XMLSchema-instance" xmlns:pc="http://schemas.microsoft.com/office/infopath/2007/PartnerControls">
-  <documentManagement/>
-</p:properties>
+<?mso-contentType ?>
+<FormTemplates xmlns="http://schemas.microsoft.com/sharepoint/v3/contenttype/forms">
+  <Display>DocumentLibraryForm</Display>
+  <Edit>DocumentLibraryForm</Edit>
+  <New>DocumentLibraryForm</New>
+</FormTemplates>
 </file>
 
 <file path=customXml/item2.xml><?xml version="1.0" encoding="utf-8"?>
@@ -6044,19 +6053,15 @@
 </file>
 
 <file path=customXml/item3.xml><?xml version="1.0" encoding="utf-8"?>
-<?mso-contentType ?>
-<FormTemplates xmlns="http://schemas.microsoft.com/sharepoint/v3/contenttype/forms">
-  <Display>DocumentLibraryForm</Display>
-  <Edit>DocumentLibraryForm</Edit>
-  <New>DocumentLibraryForm</New>
-</FormTemplates>
+<p:properties xmlns:p="http://schemas.microsoft.com/office/2006/metadata/properties" xmlns:xsi="http://www.w3.org/2001/XMLSchema-instance" xmlns:pc="http://schemas.microsoft.com/office/infopath/2007/PartnerControls">
+  <documentManagement/>
+</p:properties>
 </file>
 
 <file path=customXml/itemProps1.xml><?xml version="1.0" encoding="utf-8"?>
-<ds:datastoreItem xmlns:ds="http://schemas.openxmlformats.org/officeDocument/2006/customXml" ds:itemID="{317FD51D-081C-435E-8F5D-6D88218064D9}">
+<ds:datastoreItem xmlns:ds="http://schemas.openxmlformats.org/officeDocument/2006/customXml" ds:itemID="{B22238E5-BDC0-4655-AFB5-A7405C559E7D}">
   <ds:schemaRefs>
-    <ds:schemaRef ds:uri="http://schemas.microsoft.com/office/2006/metadata/properties"/>
-    <ds:schemaRef ds:uri="http://schemas.microsoft.com/office/infopath/2007/PartnerControls"/>
+    <ds:schemaRef ds:uri="http://schemas.microsoft.com/sharepoint/v3/contenttype/forms"/>
   </ds:schemaRefs>
 </ds:datastoreItem>
 </file>
@@ -6078,9 +6083,10 @@
 </file>
 
 <file path=customXml/itemProps3.xml><?xml version="1.0" encoding="utf-8"?>
-<ds:datastoreItem xmlns:ds="http://schemas.openxmlformats.org/officeDocument/2006/customXml" ds:itemID="{B22238E5-BDC0-4655-AFB5-A7405C559E7D}">
+<ds:datastoreItem xmlns:ds="http://schemas.openxmlformats.org/officeDocument/2006/customXml" ds:itemID="{317FD51D-081C-435E-8F5D-6D88218064D9}">
   <ds:schemaRefs>
-    <ds:schemaRef ds:uri="http://schemas.microsoft.com/sharepoint/v3/contenttype/forms"/>
+    <ds:schemaRef ds:uri="http://schemas.microsoft.com/office/2006/metadata/properties"/>
+    <ds:schemaRef ds:uri="http://schemas.microsoft.com/office/infopath/2007/PartnerControls"/>
   </ds:schemaRefs>
 </ds:datastoreItem>
 </file>
--- a/Presentation/03 - Blazor - Komponenty - Lokalizace.pptx
+++ b/Presentation/03 - Blazor - Komponenty - Lokalizace.pptx
@@ -247,7 +247,7 @@
             <a:fld id="{A74C3DD1-6B4C-423E-A696-BD4124EC33BC}" type="datetimeFigureOut">
               <a:rPr lang="cs-CZ" smtClean="0"/>
               <a:pPr/>
-              <a:t>12.01.2024</a:t>
+              <a:t>19.02.2024</a:t>
             </a:fld>
             <a:endParaRPr lang="cs-CZ" dirty="0"/>
           </a:p>
@@ -714,7 +714,7 @@
           <a:p>
             <a:fld id="{0DA6F2F8-F70A-47D7-AD2D-4F12E71A0C18}" type="datetimeFigureOut">
               <a:rPr lang="cs-CZ" smtClean="0"/>
-              <a:t>12.01.2024</a:t>
+              <a:t>19.02.2024</a:t>
             </a:fld>
             <a:endParaRPr lang="cs-CZ"/>
           </a:p>
@@ -896,7 +896,7 @@
           <a:p>
             <a:fld id="{0DA6F2F8-F70A-47D7-AD2D-4F12E71A0C18}" type="datetimeFigureOut">
               <a:rPr lang="cs-CZ" smtClean="0"/>
-              <a:t>12.01.2024</a:t>
+              <a:t>19.02.2024</a:t>
             </a:fld>
             <a:endParaRPr lang="cs-CZ"/>
           </a:p>
@@ -1088,7 +1088,7 @@
           <a:p>
             <a:fld id="{0DA6F2F8-F70A-47D7-AD2D-4F12E71A0C18}" type="datetimeFigureOut">
               <a:rPr lang="cs-CZ" smtClean="0"/>
-              <a:t>12.01.2024</a:t>
+              <a:t>19.02.2024</a:t>
             </a:fld>
             <a:endParaRPr lang="cs-CZ"/>
           </a:p>
@@ -1303,7 +1303,7 @@
           <a:p>
             <a:fld id="{0DA6F2F8-F70A-47D7-AD2D-4F12E71A0C18}" type="datetimeFigureOut">
               <a:rPr lang="cs-CZ" smtClean="0"/>
-              <a:t>12.01.2024</a:t>
+              <a:t>19.02.2024</a:t>
             </a:fld>
             <a:endParaRPr lang="cs-CZ"/>
           </a:p>
@@ -1578,7 +1578,7 @@
           <a:p>
             <a:fld id="{0DA6F2F8-F70A-47D7-AD2D-4F12E71A0C18}" type="datetimeFigureOut">
               <a:rPr lang="cs-CZ" smtClean="0"/>
-              <a:t>12.01.2024</a:t>
+              <a:t>19.02.2024</a:t>
             </a:fld>
             <a:endParaRPr lang="cs-CZ"/>
           </a:p>
@@ -1895,7 +1895,7 @@
           <a:p>
             <a:fld id="{0DA6F2F8-F70A-47D7-AD2D-4F12E71A0C18}" type="datetimeFigureOut">
               <a:rPr lang="cs-CZ" smtClean="0"/>
-              <a:t>12.01.2024</a:t>
+              <a:t>19.02.2024</a:t>
             </a:fld>
             <a:endParaRPr lang="cs-CZ" dirty="0"/>
           </a:p>
@@ -2346,7 +2346,7 @@
           <a:p>
             <a:fld id="{0DA6F2F8-F70A-47D7-AD2D-4F12E71A0C18}" type="datetimeFigureOut">
               <a:rPr lang="cs-CZ" smtClean="0"/>
-              <a:t>12.01.2024</a:t>
+              <a:t>19.02.2024</a:t>
             </a:fld>
             <a:endParaRPr lang="cs-CZ"/>
           </a:p>
@@ -2493,7 +2493,7 @@
           <a:p>
             <a:fld id="{0DA6F2F8-F70A-47D7-AD2D-4F12E71A0C18}" type="datetimeFigureOut">
               <a:rPr lang="cs-CZ" smtClean="0"/>
-              <a:t>12.01.2024</a:t>
+              <a:t>19.02.2024</a:t>
             </a:fld>
             <a:endParaRPr lang="cs-CZ"/>
           </a:p>
@@ -2600,7 +2600,7 @@
           <a:p>
             <a:fld id="{0DA6F2F8-F70A-47D7-AD2D-4F12E71A0C18}" type="datetimeFigureOut">
               <a:rPr lang="cs-CZ" smtClean="0"/>
-              <a:t>12.01.2024</a:t>
+              <a:t>19.02.2024</a:t>
             </a:fld>
             <a:endParaRPr lang="cs-CZ"/>
           </a:p>
@@ -2891,7 +2891,7 @@
           <a:p>
             <a:fld id="{0DA6F2F8-F70A-47D7-AD2D-4F12E71A0C18}" type="datetimeFigureOut">
               <a:rPr lang="cs-CZ" smtClean="0"/>
-              <a:t>12.01.2024</a:t>
+              <a:t>19.02.2024</a:t>
             </a:fld>
             <a:endParaRPr lang="cs-CZ"/>
           </a:p>
@@ -3160,7 +3160,7 @@
           <a:p>
             <a:fld id="{0DA6F2F8-F70A-47D7-AD2D-4F12E71A0C18}" type="datetimeFigureOut">
               <a:rPr lang="cs-CZ" smtClean="0"/>
-              <a:t>12.01.2024</a:t>
+              <a:t>19.02.2024</a:t>
             </a:fld>
             <a:endParaRPr lang="cs-CZ"/>
           </a:p>
@@ -3424,7 +3424,7 @@
           <a:p>
             <a:fld id="{0DA6F2F8-F70A-47D7-AD2D-4F12E71A0C18}" type="datetimeFigureOut">
               <a:rPr lang="cs-CZ" smtClean="0"/>
-              <a:t>12.01.2024</a:t>
+              <a:t>19.02.2024</a:t>
             </a:fld>
             <a:endParaRPr lang="cs-CZ"/>
           </a:p>
@@ -5930,12 +5930,9 @@
 </file>
 
 <file path=customXml/item1.xml><?xml version="1.0" encoding="utf-8"?>
-<?mso-contentType ?>
-<FormTemplates xmlns="http://schemas.microsoft.com/sharepoint/v3/contenttype/forms">
-  <Display>DocumentLibraryForm</Display>
-  <Edit>DocumentLibraryForm</Edit>
-  <New>DocumentLibraryForm</New>
-</FormTemplates>
+<p:properties xmlns:p="http://schemas.microsoft.com/office/2006/metadata/properties" xmlns:xsi="http://www.w3.org/2001/XMLSchema-instance" xmlns:pc="http://schemas.microsoft.com/office/infopath/2007/PartnerControls">
+  <documentManagement/>
+</p:properties>
 </file>
 
 <file path=customXml/item2.xml><?xml version="1.0" encoding="utf-8"?>
@@ -6053,15 +6050,19 @@
 </file>
 
 <file path=customXml/item3.xml><?xml version="1.0" encoding="utf-8"?>
-<p:properties xmlns:p="http://schemas.microsoft.com/office/2006/metadata/properties" xmlns:xsi="http://www.w3.org/2001/XMLSchema-instance" xmlns:pc="http://schemas.microsoft.com/office/infopath/2007/PartnerControls">
-  <documentManagement/>
-</p:properties>
+<?mso-contentType ?>
+<FormTemplates xmlns="http://schemas.microsoft.com/sharepoint/v3/contenttype/forms">
+  <Display>DocumentLibraryForm</Display>
+  <Edit>DocumentLibraryForm</Edit>
+  <New>DocumentLibraryForm</New>
+</FormTemplates>
 </file>
 
 <file path=customXml/itemProps1.xml><?xml version="1.0" encoding="utf-8"?>
-<ds:datastoreItem xmlns:ds="http://schemas.openxmlformats.org/officeDocument/2006/customXml" ds:itemID="{B22238E5-BDC0-4655-AFB5-A7405C559E7D}">
+<ds:datastoreItem xmlns:ds="http://schemas.openxmlformats.org/officeDocument/2006/customXml" ds:itemID="{317FD51D-081C-435E-8F5D-6D88218064D9}">
   <ds:schemaRefs>
-    <ds:schemaRef ds:uri="http://schemas.microsoft.com/sharepoint/v3/contenttype/forms"/>
+    <ds:schemaRef ds:uri="http://schemas.microsoft.com/office/2006/metadata/properties"/>
+    <ds:schemaRef ds:uri="http://schemas.microsoft.com/office/infopath/2007/PartnerControls"/>
   </ds:schemaRefs>
 </ds:datastoreItem>
 </file>
@@ -6083,10 +6084,9 @@
 </file>
 
 <file path=customXml/itemProps3.xml><?xml version="1.0" encoding="utf-8"?>
-<ds:datastoreItem xmlns:ds="http://schemas.openxmlformats.org/officeDocument/2006/customXml" ds:itemID="{317FD51D-081C-435E-8F5D-6D88218064D9}">
+<ds:datastoreItem xmlns:ds="http://schemas.openxmlformats.org/officeDocument/2006/customXml" ds:itemID="{B22238E5-BDC0-4655-AFB5-A7405C559E7D}">
   <ds:schemaRefs>
-    <ds:schemaRef ds:uri="http://schemas.microsoft.com/office/2006/metadata/properties"/>
-    <ds:schemaRef ds:uri="http://schemas.microsoft.com/office/infopath/2007/PartnerControls"/>
+    <ds:schemaRef ds:uri="http://schemas.microsoft.com/sharepoint/v3/contenttype/forms"/>
   </ds:schemaRefs>
 </ds:datastoreItem>
 </file>